--- a/lecture-slides_upload/lab-activity/7-lab activity-mod-med.pptx
+++ b/lecture-slides_upload/lab-activity/7-lab activity-mod-med.pptx
@@ -5,7 +5,7 @@
     <p:sldMasterId id="2147483648" r:id="rId1"/>
   </p:sldMasterIdLst>
   <p:notesMasterIdLst>
-    <p:notesMasterId r:id="rId16"/>
+    <p:notesMasterId r:id="rId17"/>
   </p:notesMasterIdLst>
   <p:sldIdLst>
     <p:sldId id="256" r:id="rId2"/>
@@ -22,6 +22,7 @@
     <p:sldId id="268" r:id="rId13"/>
     <p:sldId id="267" r:id="rId14"/>
     <p:sldId id="269" r:id="rId15"/>
+    <p:sldId id="270" r:id="rId16"/>
   </p:sldIdLst>
   <p:sldSz cx="12192000" cy="6858000"/>
   <p:notesSz cx="6858000" cy="9144000"/>
@@ -210,7 +211,7 @@
           <a:p>
             <a:fld id="{B59E6B04-C920-1342-87FE-EBE906AB3880}" type="datetimeFigureOut">
               <a:rPr lang="en-US" smtClean="0"/>
-              <a:t>10/19/22</a:t>
+              <a:t>2/29/24</a:t>
             </a:fld>
             <a:endParaRPr lang="en-US"/>
           </a:p>
@@ -1075,7 +1076,7 @@
           <a:p>
             <a:fld id="{5CECF48E-7F29-374A-B42E-13AE848863CD}" type="datetimeFigureOut">
               <a:rPr lang="en-US" smtClean="0"/>
-              <a:t>10/19/22</a:t>
+              <a:t>2/29/24</a:t>
             </a:fld>
             <a:endParaRPr lang="en-US"/>
           </a:p>
@@ -1273,7 +1274,7 @@
           <a:p>
             <a:fld id="{5CECF48E-7F29-374A-B42E-13AE848863CD}" type="datetimeFigureOut">
               <a:rPr lang="en-US" smtClean="0"/>
-              <a:t>10/19/22</a:t>
+              <a:t>2/29/24</a:t>
             </a:fld>
             <a:endParaRPr lang="en-US"/>
           </a:p>
@@ -1481,7 +1482,7 @@
           <a:p>
             <a:fld id="{5CECF48E-7F29-374A-B42E-13AE848863CD}" type="datetimeFigureOut">
               <a:rPr lang="en-US" smtClean="0"/>
-              <a:t>10/19/22</a:t>
+              <a:t>2/29/24</a:t>
             </a:fld>
             <a:endParaRPr lang="en-US"/>
           </a:p>
@@ -1679,7 +1680,7 @@
           <a:p>
             <a:fld id="{5CECF48E-7F29-374A-B42E-13AE848863CD}" type="datetimeFigureOut">
               <a:rPr lang="en-US" smtClean="0"/>
-              <a:t>10/19/22</a:t>
+              <a:t>2/29/24</a:t>
             </a:fld>
             <a:endParaRPr lang="en-US"/>
           </a:p>
@@ -1954,7 +1955,7 @@
           <a:p>
             <a:fld id="{5CECF48E-7F29-374A-B42E-13AE848863CD}" type="datetimeFigureOut">
               <a:rPr lang="en-US" smtClean="0"/>
-              <a:t>10/19/22</a:t>
+              <a:t>2/29/24</a:t>
             </a:fld>
             <a:endParaRPr lang="en-US"/>
           </a:p>
@@ -2219,7 +2220,7 @@
           <a:p>
             <a:fld id="{5CECF48E-7F29-374A-B42E-13AE848863CD}" type="datetimeFigureOut">
               <a:rPr lang="en-US" smtClean="0"/>
-              <a:t>10/19/22</a:t>
+              <a:t>2/29/24</a:t>
             </a:fld>
             <a:endParaRPr lang="en-US"/>
           </a:p>
@@ -2631,7 +2632,7 @@
           <a:p>
             <a:fld id="{5CECF48E-7F29-374A-B42E-13AE848863CD}" type="datetimeFigureOut">
               <a:rPr lang="en-US" smtClean="0"/>
-              <a:t>10/19/22</a:t>
+              <a:t>2/29/24</a:t>
             </a:fld>
             <a:endParaRPr lang="en-US"/>
           </a:p>
@@ -2772,7 +2773,7 @@
           <a:p>
             <a:fld id="{5CECF48E-7F29-374A-B42E-13AE848863CD}" type="datetimeFigureOut">
               <a:rPr lang="en-US" smtClean="0"/>
-              <a:t>10/19/22</a:t>
+              <a:t>2/29/24</a:t>
             </a:fld>
             <a:endParaRPr lang="en-US"/>
           </a:p>
@@ -2885,7 +2886,7 @@
           <a:p>
             <a:fld id="{5CECF48E-7F29-374A-B42E-13AE848863CD}" type="datetimeFigureOut">
               <a:rPr lang="en-US" smtClean="0"/>
-              <a:t>10/19/22</a:t>
+              <a:t>2/29/24</a:t>
             </a:fld>
             <a:endParaRPr lang="en-US"/>
           </a:p>
@@ -3196,7 +3197,7 @@
           <a:p>
             <a:fld id="{5CECF48E-7F29-374A-B42E-13AE848863CD}" type="datetimeFigureOut">
               <a:rPr lang="en-US" smtClean="0"/>
-              <a:t>10/19/22</a:t>
+              <a:t>2/29/24</a:t>
             </a:fld>
             <a:endParaRPr lang="en-US"/>
           </a:p>
@@ -3484,7 +3485,7 @@
           <a:p>
             <a:fld id="{5CECF48E-7F29-374A-B42E-13AE848863CD}" type="datetimeFigureOut">
               <a:rPr lang="en-US" smtClean="0"/>
-              <a:t>10/19/22</a:t>
+              <a:t>2/29/24</a:t>
             </a:fld>
             <a:endParaRPr lang="en-US"/>
           </a:p>
@@ -3725,7 +3726,7 @@
           <a:p>
             <a:fld id="{5CECF48E-7F29-374A-B42E-13AE848863CD}" type="datetimeFigureOut">
               <a:rPr lang="en-US" smtClean="0"/>
-              <a:t>10/19/22</a:t>
+              <a:t>2/29/24</a:t>
             </a:fld>
             <a:endParaRPr lang="en-US"/>
           </a:p>
@@ -4193,19 +4194,16 @@
           <a:p>
             <a:r>
               <a:rPr lang="en-US" dirty="0"/>
-              <a:t>Jamil Palacios Bhanji </a:t>
-            </a:r>
-          </a:p>
-          <a:p>
+              <a:t>Jamil Palacios </a:t>
+            </a:r>
+            <a:r>
+              <a:rPr lang="en-US" dirty="0" err="1"/>
+              <a:t>Bhanji</a:t>
+            </a:r>
             <a:r>
               <a:rPr lang="en-US" dirty="0"/>
-              <a:t>Vanessa </a:t>
-            </a:r>
-            <a:r>
-              <a:rPr lang="en-US" dirty="0" err="1"/>
-              <a:t>Lobue</a:t>
-            </a:r>
-            <a:endParaRPr lang="en-US" dirty="0"/>
+              <a:t> </a:t>
+            </a:r>
           </a:p>
         </p:txBody>
       </p:sp>
@@ -5403,6 +5401,324 @@
 </p:sld>
 </file>
 
+<file path=ppt/slides/slide15.xml><?xml version="1.0" encoding="utf-8"?>
+<p:sld xmlns:a="http://schemas.openxmlformats.org/drawingml/2006/main" xmlns:r="http://schemas.openxmlformats.org/officeDocument/2006/relationships" xmlns:p="http://schemas.openxmlformats.org/presentationml/2006/main">
+  <p:cSld>
+    <p:spTree>
+      <p:nvGrpSpPr>
+        <p:cNvPr id="1" name=""/>
+        <p:cNvGrpSpPr/>
+        <p:nvPr/>
+      </p:nvGrpSpPr>
+      <p:grpSpPr>
+        <a:xfrm>
+          <a:off x="0" y="0"/>
+          <a:ext cx="0" cy="0"/>
+          <a:chOff x="0" y="0"/>
+          <a:chExt cx="0" cy="0"/>
+        </a:xfrm>
+      </p:grpSpPr>
+      <p:sp>
+        <p:nvSpPr>
+          <p:cNvPr id="3" name="Content Placeholder 2">
+            <a:extLst>
+              <a:ext uri="{FF2B5EF4-FFF2-40B4-BE49-F238E27FC236}">
+                <a16:creationId xmlns:a16="http://schemas.microsoft.com/office/drawing/2014/main" id="{C6F73CED-251B-3665-111F-2BC3388D6B4F}"/>
+              </a:ext>
+            </a:extLst>
+          </p:cNvPr>
+          <p:cNvSpPr>
+            <a:spLocks noGrp="1"/>
+          </p:cNvSpPr>
+          <p:nvPr>
+            <p:ph idx="1"/>
+          </p:nvPr>
+        </p:nvSpPr>
+        <p:spPr>
+          <a:xfrm>
+            <a:off x="0" y="483326"/>
+            <a:ext cx="12096206" cy="6087291"/>
+          </a:xfrm>
+        </p:spPr>
+        <p:txBody>
+          <a:bodyPr>
+            <a:normAutofit fontScale="77500" lnSpcReduction="20000"/>
+          </a:bodyPr>
+          <a:lstStyle/>
+          <a:p>
+            <a:r>
+              <a:rPr lang="en-US" sz="3400" dirty="0"/>
+              <a:t>From Fairchild &amp; McDaniel (2017): </a:t>
+            </a:r>
+            <a:r>
+              <a:rPr lang="en-US" sz="3400" b="0" i="0" dirty="0">
+                <a:solidFill>
+                  <a:srgbClr val="2A2A2A"/>
+                </a:solidFill>
+                <a:effectLst/>
+              </a:rPr>
+              <a:t>Best (but oft-forgotten) practices: mediation analysis. </a:t>
+            </a:r>
+            <a:r>
+              <a:rPr lang="en-US" sz="3400" b="0" i="1" dirty="0">
+                <a:solidFill>
+                  <a:srgbClr val="2A2A2A"/>
+                </a:solidFill>
+                <a:effectLst/>
+              </a:rPr>
+              <a:t>The American Journal of Clinical </a:t>
+            </a:r>
+            <a:r>
+              <a:rPr lang="en-US" sz="3400" b="0" i="1" dirty="0" err="1">
+                <a:solidFill>
+                  <a:srgbClr val="2A2A2A"/>
+                </a:solidFill>
+                <a:effectLst/>
+              </a:rPr>
+              <a:t>Nutrition</a:t>
+            </a:r>
+            <a:r>
+              <a:rPr lang="en-US" sz="3400" b="0" i="0" dirty="0" err="1">
+                <a:solidFill>
+                  <a:srgbClr val="2A2A2A"/>
+                </a:solidFill>
+                <a:effectLst/>
+              </a:rPr>
+              <a:t>,</a:t>
+            </a:r>
+            <a:r>
+              <a:rPr lang="en-US" sz="3400" b="0" i="0" u="none" strike="noStrike" dirty="0" err="1">
+                <a:solidFill>
+                  <a:srgbClr val="006FB7"/>
+                </a:solidFill>
+                <a:effectLst/>
+                <a:hlinkClick r:id="rId2"/>
+              </a:rPr>
+              <a:t>https</a:t>
+            </a:r>
+            <a:r>
+              <a:rPr lang="en-US" sz="3400" b="0" i="0" u="none" strike="noStrike" dirty="0">
+                <a:solidFill>
+                  <a:srgbClr val="006FB7"/>
+                </a:solidFill>
+                <a:effectLst/>
+                <a:hlinkClick r:id="rId2"/>
+              </a:rPr>
+              <a:t>://doi.org/10.3945/ajcn.117.152546</a:t>
+            </a:r>
+            <a:r>
+              <a:rPr lang="en-US" sz="3400" dirty="0"/>
+              <a:t> “</a:t>
+            </a:r>
+            <a:r>
+              <a:rPr lang="en-US" sz="3400" b="0" i="0" dirty="0">
+                <a:solidFill>
+                  <a:srgbClr val="2A2A2A"/>
+                </a:solidFill>
+                <a:effectLst/>
+              </a:rPr>
+              <a:t>cross-sectional sample data can indicate support for mediation effects when there is no true mediation process in the population (</a:t>
+            </a:r>
+            <a:r>
+              <a:rPr lang="en-US" sz="3400" b="0" i="0" u="none" strike="noStrike" dirty="0">
+                <a:solidFill>
+                  <a:srgbClr val="006FB7"/>
+                </a:solidFill>
+                <a:effectLst/>
+              </a:rPr>
+              <a:t>92</a:t>
+            </a:r>
+            <a:r>
+              <a:rPr lang="en-US" sz="3400" b="0" i="0" dirty="0">
+                <a:solidFill>
+                  <a:srgbClr val="2A2A2A"/>
+                </a:solidFill>
+                <a:effectLst/>
+              </a:rPr>
+              <a:t>). These findings are not to say that it is impossible to examine mediation hypotheses with data that are collected at one point in time; however, there is an onus on the researcher to provide a compelling rationale that temporal ordering of the examined variables is correct (</a:t>
+            </a:r>
+            <a:r>
+              <a:rPr lang="en-US" sz="3400" b="0" i="0" u="none" strike="noStrike" dirty="0">
+                <a:solidFill>
+                  <a:srgbClr val="006FB7"/>
+                </a:solidFill>
+                <a:effectLst/>
+              </a:rPr>
+              <a:t>93</a:t>
+            </a:r>
+            <a:r>
+              <a:rPr lang="en-US" sz="3400" b="0" i="0" dirty="0">
+                <a:solidFill>
+                  <a:srgbClr val="2A2A2A"/>
+                </a:solidFill>
+                <a:effectLst/>
+              </a:rPr>
+              <a:t>, </a:t>
+            </a:r>
+            <a:r>
+              <a:rPr lang="en-US" sz="3400" b="0" i="0" u="none" strike="noStrike" dirty="0">
+                <a:solidFill>
+                  <a:srgbClr val="006FB7"/>
+                </a:solidFill>
+                <a:effectLst/>
+              </a:rPr>
+              <a:t>94</a:t>
+            </a:r>
+            <a:r>
+              <a:rPr lang="en-US" sz="3400" b="0" i="0" dirty="0">
+                <a:solidFill>
+                  <a:srgbClr val="2A2A2A"/>
+                </a:solidFill>
+                <a:effectLst/>
+              </a:rPr>
+              <a:t>). Indeed, Kenny and colleagues (</a:t>
+            </a:r>
+            <a:r>
+              <a:rPr lang="en-US" sz="3400" b="0" i="0" u="none" strike="noStrike" dirty="0">
+                <a:solidFill>
+                  <a:srgbClr val="006FB7"/>
+                </a:solidFill>
+                <a:effectLst/>
+              </a:rPr>
+              <a:t>10</a:t>
+            </a:r>
+            <a:r>
+              <a:rPr lang="en-US" sz="3400" b="0" i="0" dirty="0">
+                <a:solidFill>
+                  <a:srgbClr val="2A2A2A"/>
+                </a:solidFill>
+                <a:effectLst/>
+              </a:rPr>
+              <a:t>, </a:t>
+            </a:r>
+            <a:r>
+              <a:rPr lang="en-US" sz="3400" b="0" i="0" u="none" strike="noStrike" dirty="0">
+                <a:solidFill>
+                  <a:srgbClr val="006FB7"/>
+                </a:solidFill>
+                <a:effectLst/>
+              </a:rPr>
+              <a:t>11</a:t>
+            </a:r>
+            <a:r>
+              <a:rPr lang="en-US" sz="3400" b="0" i="0" dirty="0">
+                <a:solidFill>
+                  <a:srgbClr val="2A2A2A"/>
+                </a:solidFill>
+                <a:effectLst/>
+              </a:rPr>
+              <a:t>) emphasized in early work that mediation analysis should not be conducted unless the temporal ordering of the variables is clear. Examining mediation hypotheses with cross-sectional data may be reasonable, for example, if measured variables can reflect nearly instantaneous processes, such as may be the case with some pharmacokinetics work, or imply timing by nature of their construction (</a:t>
+            </a:r>
+            <a:r>
+              <a:rPr lang="en-US" sz="3400" b="0" i="0" u="none" strike="noStrike" dirty="0">
+                <a:solidFill>
+                  <a:srgbClr val="006FB7"/>
+                </a:solidFill>
+                <a:effectLst/>
+              </a:rPr>
+              <a:t>18</a:t>
+            </a:r>
+            <a:r>
+              <a:rPr lang="en-US" sz="3400" b="0" i="0" dirty="0">
+                <a:solidFill>
+                  <a:srgbClr val="2A2A2A"/>
+                </a:solidFill>
+                <a:effectLst/>
+              </a:rPr>
+              <a:t>, </a:t>
+            </a:r>
+            <a:r>
+              <a:rPr lang="en-US" sz="3400" b="0" i="0" u="none" strike="noStrike" dirty="0">
+                <a:solidFill>
+                  <a:srgbClr val="006FB7"/>
+                </a:solidFill>
+                <a:effectLst/>
+              </a:rPr>
+              <a:t>93</a:t>
+            </a:r>
+            <a:r>
+              <a:rPr lang="en-US" sz="3400" b="0" i="0" dirty="0">
+                <a:solidFill>
+                  <a:srgbClr val="2A2A2A"/>
+                </a:solidFill>
+                <a:effectLst/>
+              </a:rPr>
+              <a:t>). Consider a research scenario in which the mediating role of parental food monitoring during an individual’s adolescence (</a:t>
+            </a:r>
+            <a:r>
+              <a:rPr lang="en-US" sz="3400" b="0" i="1" dirty="0">
+                <a:solidFill>
+                  <a:srgbClr val="2A2A2A"/>
+                </a:solidFill>
+                <a:effectLst/>
+              </a:rPr>
+              <a:t>M</a:t>
+            </a:r>
+            <a:r>
+              <a:rPr lang="en-US" sz="3400" b="0" i="0" dirty="0">
+                <a:solidFill>
+                  <a:srgbClr val="2A2A2A"/>
+                </a:solidFill>
+                <a:effectLst/>
+              </a:rPr>
+              <a:t>) is posited to explain the impact of parental childhood obesity (</a:t>
+            </a:r>
+            <a:r>
+              <a:rPr lang="en-US" sz="3400" b="0" i="1" dirty="0">
+                <a:solidFill>
+                  <a:srgbClr val="2A2A2A"/>
+                </a:solidFill>
+                <a:effectLst/>
+              </a:rPr>
+              <a:t>X</a:t>
+            </a:r>
+            <a:r>
+              <a:rPr lang="en-US" sz="3400" b="0" i="0" dirty="0">
+                <a:solidFill>
+                  <a:srgbClr val="2A2A2A"/>
+                </a:solidFill>
+                <a:effectLst/>
+              </a:rPr>
+              <a:t>) on subjects’ current obesity status (</a:t>
+            </a:r>
+            <a:r>
+              <a:rPr lang="en-US" sz="3400" b="0" i="1" dirty="0">
+                <a:solidFill>
+                  <a:srgbClr val="2A2A2A"/>
+                </a:solidFill>
+                <a:effectLst/>
+              </a:rPr>
+              <a:t>Y</a:t>
+            </a:r>
+            <a:r>
+              <a:rPr lang="en-US" sz="3400" b="0" i="0" dirty="0">
+                <a:solidFill>
+                  <a:srgbClr val="2A2A2A"/>
+                </a:solidFill>
+                <a:effectLst/>
+              </a:rPr>
+              <a:t>). Although one may garner this information from participants at a single measurement occasion, it may be sensible to argue temporal precedence of the variables in a causal chain given the chronological nature of the constructs. Researchers should be mindful of potential retrospective reporting bias in these cases, however.”</a:t>
+            </a:r>
+            <a:endParaRPr lang="en-US" sz="3400" dirty="0"/>
+          </a:p>
+          <a:p>
+            <a:endParaRPr lang="en-US" dirty="0"/>
+          </a:p>
+        </p:txBody>
+      </p:sp>
+    </p:spTree>
+    <p:extLst>
+      <p:ext uri="{BB962C8B-B14F-4D97-AF65-F5344CB8AC3E}">
+        <p14:creationId xmlns:p14="http://schemas.microsoft.com/office/powerpoint/2010/main" val="1316173624"/>
+      </p:ext>
+    </p:extLst>
+  </p:cSld>
+  <p:clrMapOvr>
+    <a:masterClrMapping/>
+  </p:clrMapOvr>
+</p:sld>
+</file>
+
 <file path=ppt/slides/slide2.xml><?xml version="1.0" encoding="utf-8"?>
 <p:sld xmlns:a="http://schemas.openxmlformats.org/drawingml/2006/main" xmlns:r="http://schemas.openxmlformats.org/officeDocument/2006/relationships" xmlns:p="http://schemas.openxmlformats.org/presentationml/2006/main">
   <p:cSld>
@@ -5966,7 +6282,7 @@
         </p:nvSpPr>
         <p:spPr>
           <a:xfrm>
-            <a:off x="6479620" y="3429000"/>
+            <a:off x="6580201" y="3474931"/>
             <a:ext cx="536448" cy="292608"/>
           </a:xfrm>
           <a:prstGeom prst="ellipse">
